--- a/Daily Agendas/Day6.5_IntermediatePython.pptx
+++ b/Daily Agendas/Day6.5_IntermediatePython.pptx
@@ -6,6 +6,7 @@
   </p:sldMasterIdLst>
   <p:sldIdLst>
     <p:sldId id="256" r:id="rId2"/>
+    <p:sldId id="257" r:id="rId3"/>
   </p:sldIdLst>
   <p:sldSz cx="9144000" cy="6858000" type="screen4x3"/>
   <p:notesSz cx="6858000" cy="9144000"/>
@@ -3073,15 +3074,7 @@
           <a:p>
             <a:r>
               <a:rPr lang="en-US" dirty="0" smtClean="0"/>
-              <a:t>Intermediate Python – </a:t>
-            </a:r>
-            <a:r>
-              <a:rPr lang="en-US" dirty="0" smtClean="0"/>
-              <a:t>Mar </a:t>
-            </a:r>
-            <a:r>
-              <a:rPr lang="en-US" dirty="0" smtClean="0"/>
-              <a:t>22</a:t>
+              <a:t>Intermediate Python – Mar 22</a:t>
             </a:r>
             <a:endParaRPr lang="en-US" dirty="0"/>
           </a:p>
@@ -3119,17 +3112,12 @@
               <a:rPr lang="en-CA" dirty="0" smtClean="0"/>
               <a:t>Presentations</a:t>
             </a:r>
-            <a:endParaRPr lang="en-CA" dirty="0" smtClean="0"/>
           </a:p>
           <a:p>
             <a:pPr lvl="2"/>
             <a:r>
               <a:rPr lang="en-CA" dirty="0" smtClean="0"/>
-              <a:t>Arjun </a:t>
-            </a:r>
-            <a:r>
-              <a:rPr lang="en-CA" dirty="0" smtClean="0"/>
-              <a:t>(Today)</a:t>
+              <a:t>Arjun (Today)</a:t>
             </a:r>
             <a:endParaRPr lang="en-CA" dirty="0"/>
           </a:p>
@@ -3171,22 +3159,14 @@
             <a:pPr lvl="1"/>
             <a:r>
               <a:rPr lang="en-CA" dirty="0" smtClean="0"/>
-              <a:t>Module </a:t>
-            </a:r>
+              <a:t>Module A.3: Dream Machine</a:t>
+            </a:r>
+          </a:p>
+          <a:p>
+            <a:pPr lvl="2"/>
             <a:r>
               <a:rPr lang="en-CA" dirty="0" smtClean="0"/>
-              <a:t>A.3: Dream Machine</a:t>
-            </a:r>
-          </a:p>
-          <a:p>
-            <a:pPr lvl="2"/>
-            <a:r>
-              <a:rPr lang="en-CA" dirty="0" smtClean="0"/>
-              <a:t>Continue to Work </a:t>
-            </a:r>
-            <a:r>
-              <a:rPr lang="en-CA" dirty="0" smtClean="0"/>
-              <a:t>On: Level 1 &amp; Level 2</a:t>
+              <a:t>Continue to Work On: Level 1 &amp; Level 2</a:t>
             </a:r>
           </a:p>
           <a:p>
@@ -3229,6 +3209,107 @@
       </p:par>
     </p:tnLst>
   </p:timing>
+</p:sld>
+</file>
+
+<file path=ppt/slides/slide2.xml><?xml version="1.0" encoding="utf-8"?>
+<p:sld xmlns:a="http://schemas.openxmlformats.org/drawingml/2006/main" xmlns:r="http://schemas.openxmlformats.org/officeDocument/2006/relationships" xmlns:p="http://schemas.openxmlformats.org/presentationml/2006/main">
+  <p:cSld>
+    <p:spTree>
+      <p:nvGrpSpPr>
+        <p:cNvPr id="1" name=""/>
+        <p:cNvGrpSpPr/>
+        <p:nvPr/>
+      </p:nvGrpSpPr>
+      <p:grpSpPr>
+        <a:xfrm>
+          <a:off x="0" y="0"/>
+          <a:ext cx="0" cy="0"/>
+          <a:chOff x="0" y="0"/>
+          <a:chExt cx="0" cy="0"/>
+        </a:xfrm>
+      </p:grpSpPr>
+      <p:sp>
+        <p:nvSpPr>
+          <p:cNvPr id="4" name="Title 3"/>
+          <p:cNvSpPr>
+            <a:spLocks noGrp="1"/>
+          </p:cNvSpPr>
+          <p:nvPr>
+            <p:ph type="title"/>
+          </p:nvPr>
+        </p:nvSpPr>
+        <p:spPr/>
+        <p:txBody>
+          <a:bodyPr/>
+          <a:lstStyle/>
+          <a:p>
+            <a:r>
+              <a:rPr lang="en-CA" dirty="0" smtClean="0"/>
+              <a:t>Python Input</a:t>
+            </a:r>
+            <a:endParaRPr lang="en-US" dirty="0"/>
+          </a:p>
+        </p:txBody>
+      </p:sp>
+      <p:pic>
+        <p:nvPicPr>
+          <p:cNvPr id="6" name="Picture 5"/>
+          <p:cNvPicPr>
+            <a:picLocks noChangeAspect="1"/>
+          </p:cNvPicPr>
+          <p:nvPr/>
+        </p:nvPicPr>
+        <p:blipFill>
+          <a:blip r:embed="rId2"/>
+          <a:stretch>
+            <a:fillRect/>
+          </a:stretch>
+        </p:blipFill>
+        <p:spPr>
+          <a:xfrm>
+            <a:off x="3039431" y="4114800"/>
+            <a:ext cx="5684292" cy="2133600"/>
+          </a:xfrm>
+          <a:prstGeom prst="rect">
+            <a:avLst/>
+          </a:prstGeom>
+        </p:spPr>
+      </p:pic>
+      <p:pic>
+        <p:nvPicPr>
+          <p:cNvPr id="7" name="Picture 6"/>
+          <p:cNvPicPr>
+            <a:picLocks noChangeAspect="1"/>
+          </p:cNvPicPr>
+          <p:nvPr/>
+        </p:nvPicPr>
+        <p:blipFill>
+          <a:blip r:embed="rId3"/>
+          <a:stretch>
+            <a:fillRect/>
+          </a:stretch>
+        </p:blipFill>
+        <p:spPr>
+          <a:xfrm>
+            <a:off x="685800" y="1399570"/>
+            <a:ext cx="4498837" cy="2486630"/>
+          </a:xfrm>
+          <a:prstGeom prst="rect">
+            <a:avLst/>
+          </a:prstGeom>
+        </p:spPr>
+      </p:pic>
+    </p:spTree>
+    <p:extLst>
+      <p:ext uri="{BB962C8B-B14F-4D97-AF65-F5344CB8AC3E}">
+        <p14:creationId xmlns:p14="http://schemas.microsoft.com/office/powerpoint/2010/main" val="2716157445"/>
+      </p:ext>
+    </p:extLst>
+  </p:cSld>
+  <p:clrMapOvr>
+    <a:masterClrMapping/>
+  </p:clrMapOvr>
 </p:sld>
 </file>
 
